--- a/Presentations/OOP.pptx
+++ b/Presentations/OOP.pptx
@@ -199,7 +199,7 @@
           <a:p>
             <a:fld id="{FAF957FC-5175-49AC-8D2B-2F056FFFC1DD}" type="datetimeFigureOut">
               <a:rPr lang="en-US" smtClean="0"/>
-              <a:t>7/19/2017</a:t>
+              <a:t>11/11/2017</a:t>
             </a:fld>
             <a:endParaRPr lang="en-US"/>
           </a:p>
@@ -817,7 +817,7 @@
             <a:fld id="{1D8BD707-D9CF-40AE-B4C6-C98DA3205C09}" type="datetimeFigureOut">
               <a:rPr lang="en-US" smtClean="0"/>
               <a:pPr/>
-              <a:t>7/19/2017</a:t>
+              <a:t>11/11/2017</a:t>
             </a:fld>
             <a:endParaRPr lang="en-US"/>
           </a:p>
@@ -984,7 +984,7 @@
             <a:fld id="{1D8BD707-D9CF-40AE-B4C6-C98DA3205C09}" type="datetimeFigureOut">
               <a:rPr lang="en-US" smtClean="0"/>
               <a:pPr/>
-              <a:t>7/19/2017</a:t>
+              <a:t>11/11/2017</a:t>
             </a:fld>
             <a:endParaRPr lang="en-US"/>
           </a:p>
@@ -1161,7 +1161,7 @@
             <a:fld id="{1D8BD707-D9CF-40AE-B4C6-C98DA3205C09}" type="datetimeFigureOut">
               <a:rPr lang="en-US" smtClean="0"/>
               <a:pPr/>
-              <a:t>7/19/2017</a:t>
+              <a:t>11/11/2017</a:t>
             </a:fld>
             <a:endParaRPr lang="en-US"/>
           </a:p>
@@ -1328,7 +1328,7 @@
             <a:fld id="{1D8BD707-D9CF-40AE-B4C6-C98DA3205C09}" type="datetimeFigureOut">
               <a:rPr lang="en-US" smtClean="0"/>
               <a:pPr/>
-              <a:t>7/19/2017</a:t>
+              <a:t>11/11/2017</a:t>
             </a:fld>
             <a:endParaRPr lang="en-US"/>
           </a:p>
@@ -1571,7 +1571,7 @@
             <a:fld id="{1D8BD707-D9CF-40AE-B4C6-C98DA3205C09}" type="datetimeFigureOut">
               <a:rPr lang="en-US" smtClean="0"/>
               <a:pPr/>
-              <a:t>7/19/2017</a:t>
+              <a:t>11/11/2017</a:t>
             </a:fld>
             <a:endParaRPr lang="en-US"/>
           </a:p>
@@ -1856,7 +1856,7 @@
             <a:fld id="{1D8BD707-D9CF-40AE-B4C6-C98DA3205C09}" type="datetimeFigureOut">
               <a:rPr lang="en-US" smtClean="0"/>
               <a:pPr/>
-              <a:t>7/19/2017</a:t>
+              <a:t>11/11/2017</a:t>
             </a:fld>
             <a:endParaRPr lang="en-US"/>
           </a:p>
@@ -2275,7 +2275,7 @@
             <a:fld id="{1D8BD707-D9CF-40AE-B4C6-C98DA3205C09}" type="datetimeFigureOut">
               <a:rPr lang="en-US" smtClean="0"/>
               <a:pPr/>
-              <a:t>7/19/2017</a:t>
+              <a:t>11/11/2017</a:t>
             </a:fld>
             <a:endParaRPr lang="en-US"/>
           </a:p>
@@ -2390,7 +2390,7 @@
             <a:fld id="{1D8BD707-D9CF-40AE-B4C6-C98DA3205C09}" type="datetimeFigureOut">
               <a:rPr lang="en-US" smtClean="0"/>
               <a:pPr/>
-              <a:t>7/19/2017</a:t>
+              <a:t>11/11/2017</a:t>
             </a:fld>
             <a:endParaRPr lang="en-US"/>
           </a:p>
@@ -2482,7 +2482,7 @@
             <a:fld id="{1D8BD707-D9CF-40AE-B4C6-C98DA3205C09}" type="datetimeFigureOut">
               <a:rPr lang="en-US" smtClean="0"/>
               <a:pPr/>
-              <a:t>7/19/2017</a:t>
+              <a:t>11/11/2017</a:t>
             </a:fld>
             <a:endParaRPr lang="en-US"/>
           </a:p>
@@ -2756,7 +2756,7 @@
             <a:fld id="{1D8BD707-D9CF-40AE-B4C6-C98DA3205C09}" type="datetimeFigureOut">
               <a:rPr lang="en-US" smtClean="0"/>
               <a:pPr/>
-              <a:t>7/19/2017</a:t>
+              <a:t>11/11/2017</a:t>
             </a:fld>
             <a:endParaRPr lang="en-US"/>
           </a:p>
@@ -3006,7 +3006,7 @@
             <a:fld id="{1D8BD707-D9CF-40AE-B4C6-C98DA3205C09}" type="datetimeFigureOut">
               <a:rPr lang="en-US" smtClean="0"/>
               <a:pPr/>
-              <a:t>7/19/2017</a:t>
+              <a:t>11/11/2017</a:t>
             </a:fld>
             <a:endParaRPr lang="en-US"/>
           </a:p>
@@ -3216,7 +3216,7 @@
             <a:fld id="{1D8BD707-D9CF-40AE-B4C6-C98DA3205C09}" type="datetimeFigureOut">
               <a:rPr lang="en-US" smtClean="0"/>
               <a:pPr/>
-              <a:t>7/19/2017</a:t>
+              <a:t>11/11/2017</a:t>
             </a:fld>
             <a:endParaRPr lang="en-US"/>
           </a:p>
@@ -3644,7 +3644,7 @@
                   </a:schemeClr>
                 </a:solidFill>
               </a:rPr>
-              <a:t>Portland Data Science </a:t>
+              <a:t>Artificial Intelligence Training</a:t>
             </a:r>
             <a:r>
               <a:rPr lang="en-US" sz="2400" dirty="0">
@@ -3654,7 +3654,7 @@
                   </a:schemeClr>
                 </a:solidFill>
               </a:rPr>
-              <a:t>Group</a:t>
+              <a:t/>
             </a:r>
             <a:br>
               <a:rPr lang="en-US" sz="2400" dirty="0">
@@ -3686,7 +3686,7 @@
               <a:t>Ferlitsch</a:t>
             </a:r>
             <a:r>
-              <a:rPr lang="en-US" sz="2400" dirty="0">
+              <a:rPr lang="en-US" sz="2400">
                 <a:solidFill>
                   <a:schemeClr val="accent1">
                     <a:lumMod val="75000"/>
@@ -3696,7 +3696,7 @@
               <a:t/>
             </a:r>
             <a:br>
-              <a:rPr lang="en-US" sz="2400" dirty="0">
+              <a:rPr lang="en-US" sz="2400">
                 <a:solidFill>
                   <a:schemeClr val="accent1">
                     <a:lumMod val="75000"/>
@@ -3705,35 +3705,24 @@
               </a:rPr>
             </a:br>
             <a:r>
-              <a:rPr lang="en-US" sz="2400" dirty="0">
+              <a:rPr lang="en-US" sz="2400" smtClean="0">
                 <a:solidFill>
                   <a:schemeClr val="accent1">
                     <a:lumMod val="75000"/>
                   </a:schemeClr>
                 </a:solidFill>
               </a:rPr>
-              <a:t>Community Outreach </a:t>
-            </a:r>
-            <a:r>
-              <a:rPr lang="en-US" sz="2400" dirty="0" smtClean="0">
-                <a:solidFill>
-                  <a:schemeClr val="accent1">
-                    <a:lumMod val="75000"/>
-                  </a:schemeClr>
-                </a:solidFill>
-              </a:rPr>
-              <a:t>Officer</a:t>
-            </a:r>
-            <a:r>
-              <a:rPr lang="en-US" sz="2400" dirty="0" smtClean="0"/>
-              <a:t/>
-            </a:r>
-            <a:br>
-              <a:rPr lang="en-US" sz="2400" dirty="0" smtClean="0"/>
-            </a:br>
+              <a:t>Instructor</a:t>
+            </a:r>
+          </a:p>
+          <a:p>
+            <a:r>
+              <a:rPr lang="en-US" sz="1800" smtClean="0"/>
+              <a:t>July</a:t>
+            </a:r>
             <a:r>
               <a:rPr lang="en-US" sz="1800" dirty="0" smtClean="0"/>
-              <a:t>July, 2017</a:t>
+              <a:t>, 2017</a:t>
             </a:r>
             <a:endParaRPr lang="en-US" sz="1800" dirty="0"/>
           </a:p>
@@ -4566,21 +4555,8 @@
                   <a:srgbClr val="C00000"/>
                 </a:solidFill>
               </a:rPr>
-              <a:t>When maintaining/debugging, maybe confusing which data (e.g., account number </a:t>
-            </a:r>
-            <a:r>
-              <a:rPr lang="en-US" sz="2000" b="1" dirty="0" smtClean="0">
-                <a:solidFill>
-                  <a:srgbClr val="C00000"/>
-                </a:solidFill>
-              </a:rPr>
-              <a:t>goes with which account (e.g., checking, savings, money market, line of credit).</a:t>
-            </a:r>
-            <a:endParaRPr lang="en-US" sz="2000" b="1" dirty="0" smtClean="0">
-              <a:solidFill>
-                <a:srgbClr val="C00000"/>
-              </a:solidFill>
-            </a:endParaRPr>
+              <a:t>When maintaining/debugging, maybe confusing which data (e.g., account number goes with which account (e.g., checking, savings, money market, line of credit).</a:t>
+            </a:r>
           </a:p>
           <a:p>
             <a:endParaRPr lang="en-US" sz="1400" b="1" dirty="0">
